--- a/program/160_DX12_4_texture/160_DX12.pptx
+++ b/program/160_DX12_4_texture/160_DX12.pptx
@@ -3695,6 +3695,7 @@
           <a:solidFill>
             <a:schemeClr val="bg1"/>
           </a:solidFill>
+          <a:ln w="76200"/>
         </p:spPr>
         <p:style>
           <a:lnRef idx="2">
